--- a/Term Project/463 Project Presentation.pptx
+++ b/Term Project/463 Project Presentation.pptx
@@ -12,13 +12,17 @@
     <p:sldId id="262" r:id="rId6"/>
     <p:sldId id="263" r:id="rId7"/>
     <p:sldId id="274" r:id="rId8"/>
-    <p:sldId id="270" r:id="rId9"/>
-    <p:sldId id="271" r:id="rId10"/>
-    <p:sldId id="272" r:id="rId11"/>
-    <p:sldId id="273" r:id="rId12"/>
-    <p:sldId id="265" r:id="rId13"/>
-    <p:sldId id="266" r:id="rId14"/>
-    <p:sldId id="275" r:id="rId15"/>
+    <p:sldId id="276" r:id="rId9"/>
+    <p:sldId id="270" r:id="rId10"/>
+    <p:sldId id="277" r:id="rId11"/>
+    <p:sldId id="278" r:id="rId12"/>
+    <p:sldId id="271" r:id="rId13"/>
+    <p:sldId id="272" r:id="rId14"/>
+    <p:sldId id="279" r:id="rId15"/>
+    <p:sldId id="273" r:id="rId16"/>
+    <p:sldId id="265" r:id="rId17"/>
+    <p:sldId id="266" r:id="rId18"/>
+    <p:sldId id="275" r:id="rId19"/>
   </p:sldIdLst>
   <p:sldSz cx="12192000" cy="6858000"/>
   <p:notesSz cx="6858000" cy="9144000"/>
@@ -16052,6 +16056,772 @@
           <a:chExt cx="0" cy="0"/>
         </a:xfrm>
       </p:grpSpPr>
+      <p:sp>
+        <p:nvSpPr>
+          <p:cNvPr id="2" name="Title 1">
+            <a:extLst>
+              <a:ext uri="{FF2B5EF4-FFF2-40B4-BE49-F238E27FC236}">
+                <a16:creationId xmlns:a16="http://schemas.microsoft.com/office/drawing/2014/main" id="{88E2AE0F-7F6A-5096-2F33-7028C31B0238}"/>
+              </a:ext>
+            </a:extLst>
+          </p:cNvPr>
+          <p:cNvSpPr>
+            <a:spLocks noGrp="1"/>
+          </p:cNvSpPr>
+          <p:nvPr>
+            <p:ph type="title"/>
+          </p:nvPr>
+        </p:nvSpPr>
+        <p:spPr>
+          <a:xfrm>
+            <a:off x="494722" y="467654"/>
+            <a:ext cx="4418803" cy="1936376"/>
+          </a:xfrm>
+        </p:spPr>
+        <p:txBody>
+          <a:bodyPr>
+            <a:normAutofit/>
+          </a:bodyPr>
+          <a:lstStyle/>
+          <a:p>
+            <a:r>
+              <a:rPr lang="tr-TR" sz="6000" dirty="0" err="1"/>
+              <a:t>Inductor</a:t>
+            </a:r>
+            <a:r>
+              <a:rPr lang="tr-TR" sz="6000" dirty="0"/>
+              <a:t> </a:t>
+            </a:r>
+            <a:r>
+              <a:rPr lang="tr-TR" sz="6000" dirty="0" err="1"/>
+              <a:t>Waveforms</a:t>
+            </a:r>
+            <a:endParaRPr lang="en-US" sz="6000" dirty="0"/>
+          </a:p>
+        </p:txBody>
+      </p:sp>
+      <p:pic>
+        <p:nvPicPr>
+          <p:cNvPr id="7" name="Picture 6" descr="A red graph with lines&#10;&#10;Description automatically generated">
+            <a:extLst>
+              <a:ext uri="{FF2B5EF4-FFF2-40B4-BE49-F238E27FC236}">
+                <a16:creationId xmlns:a16="http://schemas.microsoft.com/office/drawing/2014/main" id="{D5F8A880-E02F-50A8-A01E-9AC4F4BA66C7}"/>
+              </a:ext>
+            </a:extLst>
+          </p:cNvPr>
+          <p:cNvPicPr>
+            <a:picLocks noChangeAspect="1"/>
+          </p:cNvPicPr>
+          <p:nvPr/>
+        </p:nvPicPr>
+        <p:blipFill>
+          <a:blip r:embed="rId2">
+            <a:extLst>
+              <a:ext uri="{28A0092B-C50C-407E-A947-70E740481C1C}">
+                <a14:useLocalDpi xmlns:a14="http://schemas.microsoft.com/office/drawing/2010/main" val="0"/>
+              </a:ext>
+            </a:extLst>
+          </a:blip>
+          <a:stretch>
+            <a:fillRect/>
+          </a:stretch>
+        </p:blipFill>
+        <p:spPr>
+          <a:xfrm>
+            <a:off x="494722" y="2757517"/>
+            <a:ext cx="7006062" cy="4023665"/>
+          </a:xfrm>
+          <a:prstGeom prst="rect">
+            <a:avLst/>
+          </a:prstGeom>
+        </p:spPr>
+      </p:pic>
+      <p:pic>
+        <p:nvPicPr>
+          <p:cNvPr id="5" name="Content Placeholder 4" descr="A graph with blue lines&#10;&#10;Description automatically generated">
+            <a:extLst>
+              <a:ext uri="{FF2B5EF4-FFF2-40B4-BE49-F238E27FC236}">
+                <a16:creationId xmlns:a16="http://schemas.microsoft.com/office/drawing/2014/main" id="{A76C2370-9025-0377-D913-A92F90A98991}"/>
+              </a:ext>
+            </a:extLst>
+          </p:cNvPr>
+          <p:cNvPicPr>
+            <a:picLocks noGrp="1" noChangeAspect="1"/>
+          </p:cNvPicPr>
+          <p:nvPr>
+            <p:ph idx="1"/>
+          </p:nvPr>
+        </p:nvPicPr>
+        <p:blipFill>
+          <a:blip r:embed="rId3">
+            <a:extLst>
+              <a:ext uri="{28A0092B-C50C-407E-A947-70E740481C1C}">
+                <a14:useLocalDpi xmlns:a14="http://schemas.microsoft.com/office/drawing/2010/main" val="0"/>
+              </a:ext>
+            </a:extLst>
+          </a:blip>
+          <a:stretch>
+            <a:fillRect/>
+          </a:stretch>
+        </p:blipFill>
+        <p:spPr>
+          <a:xfrm>
+            <a:off x="4894599" y="76818"/>
+            <a:ext cx="7006062" cy="4015670"/>
+          </a:xfrm>
+        </p:spPr>
+      </p:pic>
+    </p:spTree>
+    <p:extLst>
+      <p:ext uri="{BB962C8B-B14F-4D97-AF65-F5344CB8AC3E}">
+        <p14:creationId xmlns:p14="http://schemas.microsoft.com/office/powerpoint/2010/main" val="2308089033"/>
+      </p:ext>
+    </p:extLst>
+  </p:cSld>
+  <p:clrMapOvr>
+    <a:masterClrMapping/>
+  </p:clrMapOvr>
+</p:sld>
+</file>
+
+<file path=ppt/slides/slide11.xml><?xml version="1.0" encoding="utf-8"?>
+<p:sld xmlns:a="http://schemas.openxmlformats.org/drawingml/2006/main" xmlns:r="http://schemas.openxmlformats.org/officeDocument/2006/relationships" xmlns:p="http://schemas.openxmlformats.org/presentationml/2006/main">
+  <p:cSld>
+    <p:spTree>
+      <p:nvGrpSpPr>
+        <p:cNvPr id="1" name=""/>
+        <p:cNvGrpSpPr/>
+        <p:nvPr/>
+      </p:nvGrpSpPr>
+      <p:grpSpPr>
+        <a:xfrm>
+          <a:off x="0" y="0"/>
+          <a:ext cx="0" cy="0"/>
+          <a:chOff x="0" y="0"/>
+          <a:chExt cx="0" cy="0"/>
+        </a:xfrm>
+      </p:grpSpPr>
+      <p:sp>
+        <p:nvSpPr>
+          <p:cNvPr id="2" name="Title 1">
+            <a:extLst>
+              <a:ext uri="{FF2B5EF4-FFF2-40B4-BE49-F238E27FC236}">
+                <a16:creationId xmlns:a16="http://schemas.microsoft.com/office/drawing/2014/main" id="{C9ABCF65-798A-9C03-EA03-374C08C088EF}"/>
+              </a:ext>
+            </a:extLst>
+          </p:cNvPr>
+          <p:cNvSpPr>
+            <a:spLocks noGrp="1"/>
+          </p:cNvSpPr>
+          <p:nvPr>
+            <p:ph type="title"/>
+          </p:nvPr>
+        </p:nvSpPr>
+        <p:spPr>
+          <a:xfrm>
+            <a:off x="1078354" y="224836"/>
+            <a:ext cx="8893353" cy="1108037"/>
+          </a:xfrm>
+        </p:spPr>
+        <p:txBody>
+          <a:bodyPr/>
+          <a:lstStyle/>
+          <a:p>
+            <a:r>
+              <a:rPr lang="tr-TR" dirty="0" err="1"/>
+              <a:t>Output</a:t>
+            </a:r>
+            <a:r>
+              <a:rPr lang="tr-TR" dirty="0"/>
+              <a:t> </a:t>
+            </a:r>
+            <a:r>
+              <a:rPr lang="tr-TR" dirty="0" err="1"/>
+              <a:t>Capacitor</a:t>
+            </a:r>
+            <a:r>
+              <a:rPr lang="tr-TR" dirty="0"/>
+              <a:t> </a:t>
+            </a:r>
+            <a:r>
+              <a:rPr lang="tr-TR" dirty="0" err="1"/>
+              <a:t>Waveform</a:t>
+            </a:r>
+            <a:endParaRPr lang="en-US" dirty="0"/>
+          </a:p>
+        </p:txBody>
+      </p:sp>
+      <p:pic>
+        <p:nvPicPr>
+          <p:cNvPr id="5" name="Content Placeholder 4" descr="A graph with a line&#10;&#10;Description automatically generated">
+            <a:extLst>
+              <a:ext uri="{FF2B5EF4-FFF2-40B4-BE49-F238E27FC236}">
+                <a16:creationId xmlns:a16="http://schemas.microsoft.com/office/drawing/2014/main" id="{F3DFCB69-A610-D16E-2F05-4E689C971C63}"/>
+              </a:ext>
+            </a:extLst>
+          </p:cNvPr>
+          <p:cNvPicPr>
+            <a:picLocks noGrp="1" noChangeAspect="1"/>
+          </p:cNvPicPr>
+          <p:nvPr>
+            <p:ph idx="1"/>
+          </p:nvPr>
+        </p:nvPicPr>
+        <p:blipFill>
+          <a:blip r:embed="rId2">
+            <a:extLst>
+              <a:ext uri="{28A0092B-C50C-407E-A947-70E740481C1C}">
+                <a14:useLocalDpi xmlns:a14="http://schemas.microsoft.com/office/drawing/2010/main" val="0"/>
+              </a:ext>
+            </a:extLst>
+          </a:blip>
+          <a:stretch>
+            <a:fillRect/>
+          </a:stretch>
+        </p:blipFill>
+        <p:spPr>
+          <a:xfrm>
+            <a:off x="970903" y="1516828"/>
+            <a:ext cx="8893353" cy="5116336"/>
+          </a:xfrm>
+        </p:spPr>
+      </p:pic>
+    </p:spTree>
+    <p:extLst>
+      <p:ext uri="{BB962C8B-B14F-4D97-AF65-F5344CB8AC3E}">
+        <p14:creationId xmlns:p14="http://schemas.microsoft.com/office/powerpoint/2010/main" val="3244953933"/>
+      </p:ext>
+    </p:extLst>
+  </p:cSld>
+  <p:clrMapOvr>
+    <a:masterClrMapping/>
+  </p:clrMapOvr>
+</p:sld>
+</file>
+
+<file path=ppt/slides/slide12.xml><?xml version="1.0" encoding="utf-8"?>
+<p:sld xmlns:a="http://schemas.openxmlformats.org/drawingml/2006/main" xmlns:r="http://schemas.openxmlformats.org/officeDocument/2006/relationships" xmlns:p="http://schemas.openxmlformats.org/presentationml/2006/main">
+  <p:cSld>
+    <p:spTree>
+      <p:nvGrpSpPr>
+        <p:cNvPr id="1" name=""/>
+        <p:cNvGrpSpPr/>
+        <p:nvPr/>
+      </p:nvGrpSpPr>
+      <p:grpSpPr>
+        <a:xfrm>
+          <a:off x="0" y="0"/>
+          <a:ext cx="0" cy="0"/>
+          <a:chOff x="0" y="0"/>
+          <a:chExt cx="0" cy="0"/>
+        </a:xfrm>
+      </p:grpSpPr>
+      <p:sp>
+        <p:nvSpPr>
+          <p:cNvPr id="4" name="Title 1">
+            <a:extLst>
+              <a:ext uri="{FF2B5EF4-FFF2-40B4-BE49-F238E27FC236}">
+                <a16:creationId xmlns:a16="http://schemas.microsoft.com/office/drawing/2014/main" id="{5B7D8961-85A1-5709-790F-B19C0475E0E8}"/>
+              </a:ext>
+            </a:extLst>
+          </p:cNvPr>
+          <p:cNvSpPr>
+            <a:spLocks noGrp="1"/>
+          </p:cNvSpPr>
+          <p:nvPr>
+            <p:ph type="title"/>
+          </p:nvPr>
+        </p:nvSpPr>
+        <p:spPr>
+          <a:xfrm>
+            <a:off x="691079" y="-131039"/>
+            <a:ext cx="10325100" cy="1443037"/>
+          </a:xfrm>
+        </p:spPr>
+        <p:txBody>
+          <a:bodyPr/>
+          <a:lstStyle/>
+          <a:p>
+            <a:r>
+              <a:rPr lang="tr-TR" dirty="0"/>
+              <a:t>Component </a:t>
+            </a:r>
+            <a:r>
+              <a:rPr lang="tr-TR" dirty="0" err="1"/>
+              <a:t>Selection</a:t>
+            </a:r>
+            <a:endParaRPr lang="en-GB" dirty="0"/>
+          </a:p>
+        </p:txBody>
+      </p:sp>
+      <p:pic>
+        <p:nvPicPr>
+          <p:cNvPr id="6" name="Picture 5">
+            <a:extLst>
+              <a:ext uri="{FF2B5EF4-FFF2-40B4-BE49-F238E27FC236}">
+                <a16:creationId xmlns:a16="http://schemas.microsoft.com/office/drawing/2014/main" id="{98ACD440-8461-9D4B-09B8-4019E26C3345}"/>
+              </a:ext>
+            </a:extLst>
+          </p:cNvPr>
+          <p:cNvPicPr>
+            <a:picLocks noChangeAspect="1"/>
+          </p:cNvPicPr>
+          <p:nvPr/>
+        </p:nvPicPr>
+        <p:blipFill>
+          <a:blip r:embed="rId2"/>
+          <a:stretch>
+            <a:fillRect/>
+          </a:stretch>
+        </p:blipFill>
+        <p:spPr>
+          <a:xfrm>
+            <a:off x="768244" y="1402948"/>
+            <a:ext cx="7091905" cy="5047392"/>
+          </a:xfrm>
+          <a:prstGeom prst="rect">
+            <a:avLst/>
+          </a:prstGeom>
+        </p:spPr>
+      </p:pic>
+      <p:sp>
+        <p:nvSpPr>
+          <p:cNvPr id="7" name="Rectangle 6">
+            <a:extLst>
+              <a:ext uri="{FF2B5EF4-FFF2-40B4-BE49-F238E27FC236}">
+                <a16:creationId xmlns:a16="http://schemas.microsoft.com/office/drawing/2014/main" id="{23976750-3953-E527-ED3D-88868DB8A036}"/>
+              </a:ext>
+            </a:extLst>
+          </p:cNvPr>
+          <p:cNvSpPr/>
+          <p:nvPr/>
+        </p:nvSpPr>
+        <p:spPr>
+          <a:xfrm>
+            <a:off x="4314196" y="5438284"/>
+            <a:ext cx="3336670" cy="466283"/>
+          </a:xfrm>
+          <a:prstGeom prst="rect">
+            <a:avLst/>
+          </a:prstGeom>
+          <a:solidFill>
+            <a:schemeClr val="bg1"/>
+          </a:solidFill>
+          <a:ln>
+            <a:solidFill>
+              <a:schemeClr val="bg1"/>
+            </a:solidFill>
+          </a:ln>
+        </p:spPr>
+        <p:style>
+          <a:lnRef idx="2">
+            <a:schemeClr val="accent1">
+              <a:shade val="15000"/>
+            </a:schemeClr>
+          </a:lnRef>
+          <a:fillRef idx="1">
+            <a:schemeClr val="accent1"/>
+          </a:fillRef>
+          <a:effectRef idx="0">
+            <a:schemeClr val="accent1"/>
+          </a:effectRef>
+          <a:fontRef idx="minor">
+            <a:schemeClr val="lt1"/>
+          </a:fontRef>
+        </p:style>
+        <p:txBody>
+          <a:bodyPr rtlCol="0" anchor="ctr"/>
+          <a:lstStyle/>
+          <a:p>
+            <a:pPr algn="ctr"/>
+            <a:endParaRPr lang="en-GB" dirty="0"/>
+          </a:p>
+        </p:txBody>
+      </p:sp>
+      <p:sp>
+        <p:nvSpPr>
+          <p:cNvPr id="8" name="Rectangle 7">
+            <a:extLst>
+              <a:ext uri="{FF2B5EF4-FFF2-40B4-BE49-F238E27FC236}">
+                <a16:creationId xmlns:a16="http://schemas.microsoft.com/office/drawing/2014/main" id="{5BB6AB19-0B3C-006F-F174-D34C8FF8529A}"/>
+              </a:ext>
+            </a:extLst>
+          </p:cNvPr>
+          <p:cNvSpPr/>
+          <p:nvPr/>
+        </p:nvSpPr>
+        <p:spPr>
+          <a:xfrm>
+            <a:off x="4314196" y="2911034"/>
+            <a:ext cx="3336670" cy="648183"/>
+          </a:xfrm>
+          <a:prstGeom prst="rect">
+            <a:avLst/>
+          </a:prstGeom>
+          <a:solidFill>
+            <a:schemeClr val="bg1"/>
+          </a:solidFill>
+          <a:ln>
+            <a:solidFill>
+              <a:schemeClr val="bg1"/>
+            </a:solidFill>
+          </a:ln>
+        </p:spPr>
+        <p:style>
+          <a:lnRef idx="2">
+            <a:schemeClr val="accent1">
+              <a:shade val="15000"/>
+            </a:schemeClr>
+          </a:lnRef>
+          <a:fillRef idx="1">
+            <a:schemeClr val="accent1"/>
+          </a:fillRef>
+          <a:effectRef idx="0">
+            <a:schemeClr val="accent1"/>
+          </a:effectRef>
+          <a:fontRef idx="minor">
+            <a:schemeClr val="lt1"/>
+          </a:fontRef>
+        </p:style>
+        <p:txBody>
+          <a:bodyPr rtlCol="0" anchor="ctr"/>
+          <a:lstStyle/>
+          <a:p>
+            <a:pPr algn="ctr"/>
+            <a:endParaRPr lang="en-GB"/>
+          </a:p>
+        </p:txBody>
+      </p:sp>
+      <p:sp>
+        <p:nvSpPr>
+          <p:cNvPr id="10" name="TextBox 9">
+            <a:extLst>
+              <a:ext uri="{FF2B5EF4-FFF2-40B4-BE49-F238E27FC236}">
+                <a16:creationId xmlns:a16="http://schemas.microsoft.com/office/drawing/2014/main" id="{C8759ECE-4DB8-C698-E525-A8D04236190B}"/>
+              </a:ext>
+            </a:extLst>
+          </p:cNvPr>
+          <p:cNvSpPr txBox="1"/>
+          <p:nvPr/>
+        </p:nvSpPr>
+        <p:spPr>
+          <a:xfrm>
+            <a:off x="4314196" y="2773856"/>
+            <a:ext cx="3336670" cy="861774"/>
+          </a:xfrm>
+          <a:prstGeom prst="rect">
+            <a:avLst/>
+          </a:prstGeom>
+          <a:noFill/>
+        </p:spPr>
+        <p:txBody>
+          <a:bodyPr wrap="square">
+            <a:spAutoFit/>
+          </a:bodyPr>
+          <a:lstStyle/>
+          <a:p>
+            <a:r>
+              <a:rPr lang="en-GB" sz="1000" b="0" i="0" dirty="0">
+                <a:solidFill>
+                  <a:srgbClr val="000000"/>
+                </a:solidFill>
+                <a:effectLst/>
+                <a:latin typeface="Times New Roman" panose="02020603050405020304" pitchFamily="18" charset="0"/>
+                <a:hlinkClick r:id="rId3"/>
+              </a:rPr>
+              <a:t>https://www.coilcraft.com/en-us/products/power/shielded-inductors/high-current-flat-wire/agp-ver/agp4233/#:~:text=AGP4233%20power%20inductors%2C%20along%20with,low%20DC%20and%20AC%20resistance</a:t>
+            </a:r>
+            <a:r>
+              <a:rPr lang="en-GB" sz="1000" b="0" i="0" dirty="0">
+                <a:solidFill>
+                  <a:srgbClr val="000000"/>
+                </a:solidFill>
+                <a:effectLst/>
+                <a:latin typeface="Times New Roman" panose="02020603050405020304" pitchFamily="18" charset="0"/>
+              </a:rPr>
+              <a:t>.</a:t>
+            </a:r>
+            <a:r>
+              <a:rPr lang="tr-TR" sz="1000" b="0" i="0" dirty="0">
+                <a:solidFill>
+                  <a:srgbClr val="000000"/>
+                </a:solidFill>
+                <a:effectLst/>
+                <a:latin typeface="Times New Roman" panose="02020603050405020304" pitchFamily="18" charset="0"/>
+              </a:rPr>
+              <a:t> </a:t>
+            </a:r>
+            <a:endParaRPr lang="en-GB" sz="1000" dirty="0"/>
+          </a:p>
+        </p:txBody>
+      </p:sp>
+      <p:sp>
+        <p:nvSpPr>
+          <p:cNvPr id="12" name="TextBox 11">
+            <a:extLst>
+              <a:ext uri="{FF2B5EF4-FFF2-40B4-BE49-F238E27FC236}">
+                <a16:creationId xmlns:a16="http://schemas.microsoft.com/office/drawing/2014/main" id="{C9E60D81-96FA-6E6A-FE97-BB8FC3AE4261}"/>
+              </a:ext>
+            </a:extLst>
+          </p:cNvPr>
+          <p:cNvSpPr txBox="1"/>
+          <p:nvPr/>
+        </p:nvSpPr>
+        <p:spPr>
+          <a:xfrm>
+            <a:off x="4314196" y="5296442"/>
+            <a:ext cx="3336670" cy="646331"/>
+          </a:xfrm>
+          <a:prstGeom prst="rect">
+            <a:avLst/>
+          </a:prstGeom>
+          <a:noFill/>
+        </p:spPr>
+        <p:txBody>
+          <a:bodyPr wrap="square">
+            <a:spAutoFit/>
+          </a:bodyPr>
+          <a:lstStyle/>
+          <a:p>
+            <a:r>
+              <a:rPr lang="en-GB" b="0" i="0" dirty="0">
+                <a:solidFill>
+                  <a:srgbClr val="000000"/>
+                </a:solidFill>
+                <a:effectLst/>
+                <a:latin typeface="Times New Roman" panose="02020603050405020304" pitchFamily="18" charset="0"/>
+                <a:hlinkClick r:id="rId4"/>
+              </a:rPr>
+              <a:t>https://www.direnc.net/10uf25v-tantal</a:t>
+            </a:r>
+            <a:r>
+              <a:rPr lang="tr-TR" b="0" i="0" dirty="0">
+                <a:solidFill>
+                  <a:srgbClr val="000000"/>
+                </a:solidFill>
+                <a:effectLst/>
+                <a:latin typeface="Times New Roman" panose="02020603050405020304" pitchFamily="18" charset="0"/>
+              </a:rPr>
+              <a:t> </a:t>
+            </a:r>
+            <a:endParaRPr lang="en-GB" dirty="0"/>
+          </a:p>
+        </p:txBody>
+      </p:sp>
+      <p:sp>
+        <p:nvSpPr>
+          <p:cNvPr id="5" name="TextBox 4">
+            <a:extLst>
+              <a:ext uri="{FF2B5EF4-FFF2-40B4-BE49-F238E27FC236}">
+                <a16:creationId xmlns:a16="http://schemas.microsoft.com/office/drawing/2014/main" id="{2BC58787-38D8-26FE-4F03-9DB7E88384BC}"/>
+              </a:ext>
+            </a:extLst>
+          </p:cNvPr>
+          <p:cNvSpPr txBox="1"/>
+          <p:nvPr/>
+        </p:nvSpPr>
+        <p:spPr>
+          <a:xfrm>
+            <a:off x="8047042" y="5189607"/>
+            <a:ext cx="3648134" cy="646331"/>
+          </a:xfrm>
+          <a:prstGeom prst="rect">
+            <a:avLst/>
+          </a:prstGeom>
+          <a:noFill/>
+        </p:spPr>
+        <p:txBody>
+          <a:bodyPr wrap="square">
+            <a:spAutoFit/>
+          </a:bodyPr>
+          <a:lstStyle/>
+          <a:p>
+            <a:r>
+              <a:rPr lang="tr-TR" dirty="0" err="1"/>
+              <a:t>Buck</a:t>
+            </a:r>
+            <a:r>
+              <a:rPr lang="tr-TR" dirty="0"/>
+              <a:t> Converter </a:t>
+            </a:r>
+            <a:r>
+              <a:rPr lang="tr-TR" dirty="0" err="1"/>
+              <a:t>output</a:t>
+            </a:r>
+            <a:r>
+              <a:rPr lang="tr-TR" dirty="0"/>
+              <a:t> </a:t>
+            </a:r>
+            <a:r>
+              <a:rPr lang="tr-TR" dirty="0" err="1"/>
+              <a:t>capacitor</a:t>
+            </a:r>
+            <a:r>
+              <a:rPr lang="tr-TR" dirty="0"/>
+              <a:t> </a:t>
+            </a:r>
+            <a:r>
+              <a:rPr lang="tr-TR" dirty="0" err="1"/>
+              <a:t>peak</a:t>
+            </a:r>
+            <a:r>
+              <a:rPr lang="tr-TR" dirty="0"/>
+              <a:t> </a:t>
+            </a:r>
+            <a:r>
+              <a:rPr lang="tr-TR" dirty="0" err="1"/>
+              <a:t>voltage</a:t>
+            </a:r>
+            <a:r>
+              <a:rPr lang="tr-TR" dirty="0"/>
+              <a:t> </a:t>
+            </a:r>
+            <a:r>
+              <a:rPr lang="tr-TR" dirty="0" err="1"/>
+              <a:t>less</a:t>
+            </a:r>
+            <a:r>
+              <a:rPr lang="tr-TR" dirty="0"/>
+              <a:t> </a:t>
+            </a:r>
+            <a:r>
+              <a:rPr lang="tr-TR" dirty="0" err="1"/>
+              <a:t>than</a:t>
+            </a:r>
+            <a:r>
+              <a:rPr lang="tr-TR" dirty="0"/>
+              <a:t> 13.7V. </a:t>
+            </a:r>
+            <a:endParaRPr lang="en-GB" dirty="0"/>
+          </a:p>
+        </p:txBody>
+      </p:sp>
+      <p:sp>
+        <p:nvSpPr>
+          <p:cNvPr id="11" name="TextBox 10">
+            <a:extLst>
+              <a:ext uri="{FF2B5EF4-FFF2-40B4-BE49-F238E27FC236}">
+                <a16:creationId xmlns:a16="http://schemas.microsoft.com/office/drawing/2014/main" id="{794D0E60-AD49-CA1D-A953-CA3B4DE62DC3}"/>
+              </a:ext>
+            </a:extLst>
+          </p:cNvPr>
+          <p:cNvSpPr txBox="1"/>
+          <p:nvPr/>
+        </p:nvSpPr>
+        <p:spPr>
+          <a:xfrm>
+            <a:off x="8047042" y="1921687"/>
+            <a:ext cx="3648134" cy="923330"/>
+          </a:xfrm>
+          <a:prstGeom prst="rect">
+            <a:avLst/>
+          </a:prstGeom>
+          <a:noFill/>
+        </p:spPr>
+        <p:txBody>
+          <a:bodyPr wrap="square">
+            <a:spAutoFit/>
+          </a:bodyPr>
+          <a:lstStyle/>
+          <a:p>
+            <a:r>
+              <a:rPr lang="tr-TR" dirty="0" err="1"/>
+              <a:t>Buck</a:t>
+            </a:r>
+            <a:r>
+              <a:rPr lang="tr-TR" dirty="0"/>
+              <a:t> Converter </a:t>
+            </a:r>
+            <a:r>
+              <a:rPr lang="tr-TR" dirty="0" err="1"/>
+              <a:t>inductor</a:t>
+            </a:r>
+            <a:r>
+              <a:rPr lang="tr-TR" dirty="0"/>
+              <a:t> </a:t>
+            </a:r>
+            <a:r>
+              <a:rPr lang="tr-TR" dirty="0" err="1"/>
+              <a:t>peak</a:t>
+            </a:r>
+            <a:r>
+              <a:rPr lang="tr-TR" dirty="0"/>
+              <a:t> </a:t>
+            </a:r>
+            <a:r>
+              <a:rPr lang="tr-TR" dirty="0" err="1"/>
+              <a:t>current</a:t>
+            </a:r>
+            <a:r>
+              <a:rPr lang="tr-TR" dirty="0"/>
+              <a:t> 11A, </a:t>
+            </a:r>
+            <a:r>
+              <a:rPr lang="tr-TR" dirty="0" err="1"/>
+              <a:t>peak</a:t>
+            </a:r>
+            <a:r>
+              <a:rPr lang="tr-TR" dirty="0"/>
+              <a:t> </a:t>
+            </a:r>
+            <a:r>
+              <a:rPr lang="tr-TR" dirty="0" err="1"/>
+              <a:t>voltage</a:t>
+            </a:r>
+            <a:r>
+              <a:rPr lang="tr-TR" dirty="0"/>
+              <a:t> </a:t>
+            </a:r>
+            <a:r>
+              <a:rPr lang="tr-TR" dirty="0" err="1"/>
+              <a:t>less</a:t>
+            </a:r>
+            <a:r>
+              <a:rPr lang="tr-TR" dirty="0"/>
+              <a:t> </a:t>
+            </a:r>
+            <a:r>
+              <a:rPr lang="tr-TR" dirty="0" err="1"/>
+              <a:t>than</a:t>
+            </a:r>
+            <a:r>
+              <a:rPr lang="tr-TR" dirty="0"/>
+              <a:t> 55V. </a:t>
+            </a:r>
+            <a:endParaRPr lang="en-GB" dirty="0"/>
+          </a:p>
+        </p:txBody>
+      </p:sp>
+    </p:spTree>
+    <p:extLst>
+      <p:ext uri="{BB962C8B-B14F-4D97-AF65-F5344CB8AC3E}">
+        <p14:creationId xmlns:p14="http://schemas.microsoft.com/office/powerpoint/2010/main" val="540657593"/>
+      </p:ext>
+    </p:extLst>
+  </p:cSld>
+  <p:clrMapOvr>
+    <a:masterClrMapping/>
+  </p:clrMapOvr>
+</p:sld>
+</file>
+
+<file path=ppt/slides/slide13.xml><?xml version="1.0" encoding="utf-8"?>
+<p:sld xmlns:a="http://schemas.openxmlformats.org/drawingml/2006/main" xmlns:r="http://schemas.openxmlformats.org/officeDocument/2006/relationships" xmlns:p="http://schemas.openxmlformats.org/presentationml/2006/main">
+  <p:cSld>
+    <p:spTree>
+      <p:nvGrpSpPr>
+        <p:cNvPr id="1" name=""/>
+        <p:cNvGrpSpPr/>
+        <p:nvPr/>
+      </p:nvGrpSpPr>
+      <p:grpSpPr>
+        <a:xfrm>
+          <a:off x="0" y="0"/>
+          <a:ext cx="0" cy="0"/>
+          <a:chOff x="0" y="0"/>
+          <a:chExt cx="0" cy="0"/>
+        </a:xfrm>
+      </p:grpSpPr>
       <p:pic>
         <p:nvPicPr>
           <p:cNvPr id="6" name="Content Placeholder 5">
@@ -16260,7 +17030,130 @@
 </p:sld>
 </file>
 
-<file path=ppt/slides/slide11.xml><?xml version="1.0" encoding="utf-8"?>
+<file path=ppt/slides/slide14.xml><?xml version="1.0" encoding="utf-8"?>
+<p:sld xmlns:a="http://schemas.openxmlformats.org/drawingml/2006/main" xmlns:r="http://schemas.openxmlformats.org/officeDocument/2006/relationships" xmlns:p="http://schemas.openxmlformats.org/presentationml/2006/main">
+  <p:cSld>
+    <p:spTree>
+      <p:nvGrpSpPr>
+        <p:cNvPr id="1" name=""/>
+        <p:cNvGrpSpPr/>
+        <p:nvPr/>
+      </p:nvGrpSpPr>
+      <p:grpSpPr>
+        <a:xfrm>
+          <a:off x="0" y="0"/>
+          <a:ext cx="0" cy="0"/>
+          <a:chOff x="0" y="0"/>
+          <a:chExt cx="0" cy="0"/>
+        </a:xfrm>
+      </p:grpSpPr>
+      <p:sp>
+        <p:nvSpPr>
+          <p:cNvPr id="2" name="Title 1">
+            <a:extLst>
+              <a:ext uri="{FF2B5EF4-FFF2-40B4-BE49-F238E27FC236}">
+                <a16:creationId xmlns:a16="http://schemas.microsoft.com/office/drawing/2014/main" id="{59480911-571D-3E66-B1A3-C7F8B27AA862}"/>
+              </a:ext>
+            </a:extLst>
+          </p:cNvPr>
+          <p:cNvSpPr>
+            <a:spLocks noGrp="1"/>
+          </p:cNvSpPr>
+          <p:nvPr>
+            <p:ph type="title"/>
+          </p:nvPr>
+        </p:nvSpPr>
+        <p:spPr>
+          <a:xfrm>
+            <a:off x="855671" y="155448"/>
+            <a:ext cx="8471209" cy="1125998"/>
+          </a:xfrm>
+        </p:spPr>
+        <p:txBody>
+          <a:bodyPr/>
+          <a:lstStyle/>
+          <a:p>
+            <a:r>
+              <a:rPr lang="tr-TR" dirty="0" err="1"/>
+              <a:t>Diode</a:t>
+            </a:r>
+            <a:r>
+              <a:rPr lang="tr-TR" dirty="0"/>
+              <a:t>, </a:t>
+            </a:r>
+            <a:r>
+              <a:rPr lang="tr-TR" dirty="0" err="1"/>
+              <a:t>before</a:t>
+            </a:r>
+            <a:r>
+              <a:rPr lang="tr-TR" dirty="0"/>
+              <a:t> </a:t>
+            </a:r>
+            <a:r>
+              <a:rPr lang="tr-TR" dirty="0" err="1"/>
+              <a:t>the</a:t>
+            </a:r>
+            <a:r>
+              <a:rPr lang="tr-TR" dirty="0"/>
+              <a:t> </a:t>
+            </a:r>
+            <a:r>
+              <a:rPr lang="tr-TR" dirty="0" err="1"/>
+              <a:t>battery</a:t>
+            </a:r>
+            <a:endParaRPr lang="en-US" dirty="0"/>
+          </a:p>
+        </p:txBody>
+      </p:sp>
+      <p:pic>
+        <p:nvPicPr>
+          <p:cNvPr id="5" name="Content Placeholder 4" descr="A graph with purple line&#10;&#10;Description automatically generated">
+            <a:extLst>
+              <a:ext uri="{FF2B5EF4-FFF2-40B4-BE49-F238E27FC236}">
+                <a16:creationId xmlns:a16="http://schemas.microsoft.com/office/drawing/2014/main" id="{75555821-8D68-C023-3C1C-69F3D5DC3FF4}"/>
+              </a:ext>
+            </a:extLst>
+          </p:cNvPr>
+          <p:cNvPicPr>
+            <a:picLocks noGrp="1" noChangeAspect="1"/>
+          </p:cNvPicPr>
+          <p:nvPr>
+            <p:ph idx="1"/>
+          </p:nvPr>
+        </p:nvPicPr>
+        <p:blipFill>
+          <a:blip r:embed="rId2">
+            <a:extLst>
+              <a:ext uri="{28A0092B-C50C-407E-A947-70E740481C1C}">
+                <a14:useLocalDpi xmlns:a14="http://schemas.microsoft.com/office/drawing/2010/main" val="0"/>
+              </a:ext>
+            </a:extLst>
+          </a:blip>
+          <a:stretch>
+            <a:fillRect/>
+          </a:stretch>
+        </p:blipFill>
+        <p:spPr>
+          <a:xfrm>
+            <a:off x="764231" y="1533544"/>
+            <a:ext cx="8562649" cy="4900722"/>
+          </a:xfrm>
+        </p:spPr>
+      </p:pic>
+    </p:spTree>
+    <p:extLst>
+      <p:ext uri="{BB962C8B-B14F-4D97-AF65-F5344CB8AC3E}">
+        <p14:creationId xmlns:p14="http://schemas.microsoft.com/office/powerpoint/2010/main" val="4153272510"/>
+      </p:ext>
+    </p:extLst>
+  </p:cSld>
+  <p:clrMapOvr>
+    <a:masterClrMapping/>
+  </p:clrMapOvr>
+</p:sld>
+</file>
+
+<file path=ppt/slides/slide15.xml><?xml version="1.0" encoding="utf-8"?>
 <p:sld xmlns:a="http://schemas.openxmlformats.org/drawingml/2006/main" xmlns:r="http://schemas.openxmlformats.org/officeDocument/2006/relationships" xmlns:p="http://schemas.openxmlformats.org/presentationml/2006/main">
   <p:cSld>
     <p:spTree>
@@ -16301,7 +17194,7 @@
         </p:blipFill>
         <p:spPr>
           <a:xfrm>
-            <a:off x="721945" y="1782501"/>
+            <a:off x="758882" y="1755069"/>
             <a:ext cx="5570832" cy="4343361"/>
           </a:xfrm>
         </p:spPr>
@@ -16474,6 +17367,296 @@
           </a:p>
         </p:txBody>
       </p:sp>
+      <p:sp>
+        <p:nvSpPr>
+          <p:cNvPr id="2" name="Content Placeholder 2">
+            <a:extLst>
+              <a:ext uri="{FF2B5EF4-FFF2-40B4-BE49-F238E27FC236}">
+                <a16:creationId xmlns:a16="http://schemas.microsoft.com/office/drawing/2014/main" id="{909B00B6-D458-FE87-24FE-AAC5309E46E9}"/>
+              </a:ext>
+            </a:extLst>
+          </p:cNvPr>
+          <p:cNvSpPr txBox="1">
+            <a:spLocks/>
+          </p:cNvSpPr>
+          <p:nvPr/>
+        </p:nvSpPr>
+        <p:spPr>
+          <a:xfrm>
+            <a:off x="7238055" y="2075319"/>
+            <a:ext cx="3643305" cy="3659207"/>
+          </a:xfrm>
+          <a:prstGeom prst="rect">
+            <a:avLst/>
+          </a:prstGeom>
+        </p:spPr>
+        <p:txBody>
+          <a:bodyPr vert="horz" lIns="91440" tIns="45720" rIns="91440" bIns="45720" rtlCol="0">
+            <a:normAutofit/>
+          </a:bodyPr>
+          <a:lstStyle>
+            <a:lvl1pPr marL="228600" indent="-228600" algn="l" defTabSz="914400" rtl="0" eaLnBrk="1" latinLnBrk="0" hangingPunct="1">
+              <a:lnSpc>
+                <a:spcPct val="110000"/>
+              </a:lnSpc>
+              <a:spcBef>
+                <a:spcPts val="1000"/>
+              </a:spcBef>
+              <a:buClr>
+                <a:schemeClr val="tx2">
+                  <a:lumMod val="50000"/>
+                  <a:lumOff val="50000"/>
+                </a:schemeClr>
+              </a:buClr>
+              <a:buSzPct val="75000"/>
+              <a:buFont typeface="Wingdings" panose="05000000000000000000" pitchFamily="2" charset="2"/>
+              <a:buChar char="§"/>
+              <a:defRPr sz="2000" kern="1200">
+                <a:solidFill>
+                  <a:schemeClr val="tx2"/>
+                </a:solidFill>
+                <a:latin typeface="+mn-lt"/>
+                <a:ea typeface="+mn-ea"/>
+                <a:cs typeface="+mn-cs"/>
+              </a:defRPr>
+            </a:lvl1pPr>
+            <a:lvl2pPr marL="457200" indent="-228600" algn="l" defTabSz="914400" rtl="0" eaLnBrk="1" latinLnBrk="0" hangingPunct="1">
+              <a:lnSpc>
+                <a:spcPct val="110000"/>
+              </a:lnSpc>
+              <a:spcBef>
+                <a:spcPts val="500"/>
+              </a:spcBef>
+              <a:buClr>
+                <a:schemeClr val="tx2">
+                  <a:lumMod val="50000"/>
+                  <a:lumOff val="50000"/>
+                </a:schemeClr>
+              </a:buClr>
+              <a:buSzPct val="75000"/>
+              <a:buFont typeface="Wingdings" panose="05000000000000000000" pitchFamily="2" charset="2"/>
+              <a:buChar char="§"/>
+              <a:defRPr sz="1800" kern="1200">
+                <a:solidFill>
+                  <a:schemeClr val="tx2"/>
+                </a:solidFill>
+                <a:latin typeface="+mn-lt"/>
+                <a:ea typeface="+mn-ea"/>
+                <a:cs typeface="+mn-cs"/>
+              </a:defRPr>
+            </a:lvl2pPr>
+            <a:lvl3pPr marL="685800" indent="-228600" algn="l" defTabSz="914400" rtl="0" eaLnBrk="1" latinLnBrk="0" hangingPunct="1">
+              <a:lnSpc>
+                <a:spcPct val="110000"/>
+              </a:lnSpc>
+              <a:spcBef>
+                <a:spcPts val="500"/>
+              </a:spcBef>
+              <a:buClr>
+                <a:schemeClr val="tx2">
+                  <a:lumMod val="50000"/>
+                  <a:lumOff val="50000"/>
+                </a:schemeClr>
+              </a:buClr>
+              <a:buSzPct val="75000"/>
+              <a:buFont typeface="Wingdings" panose="05000000000000000000" pitchFamily="2" charset="2"/>
+              <a:buChar char="§"/>
+              <a:defRPr sz="1600" kern="1200">
+                <a:solidFill>
+                  <a:schemeClr val="tx2"/>
+                </a:solidFill>
+                <a:latin typeface="+mn-lt"/>
+                <a:ea typeface="+mn-ea"/>
+                <a:cs typeface="+mn-cs"/>
+              </a:defRPr>
+            </a:lvl3pPr>
+            <a:lvl4pPr marL="914400" indent="-228600" algn="l" defTabSz="914400" rtl="0" eaLnBrk="1" latinLnBrk="0" hangingPunct="1">
+              <a:lnSpc>
+                <a:spcPct val="110000"/>
+              </a:lnSpc>
+              <a:spcBef>
+                <a:spcPts val="500"/>
+              </a:spcBef>
+              <a:buClr>
+                <a:schemeClr val="tx2">
+                  <a:lumMod val="50000"/>
+                  <a:lumOff val="50000"/>
+                </a:schemeClr>
+              </a:buClr>
+              <a:buSzPct val="75000"/>
+              <a:buFont typeface="Wingdings" panose="05000000000000000000" pitchFamily="2" charset="2"/>
+              <a:buChar char="§"/>
+              <a:defRPr sz="1400" kern="1200">
+                <a:solidFill>
+                  <a:schemeClr val="tx2"/>
+                </a:solidFill>
+                <a:latin typeface="+mn-lt"/>
+                <a:ea typeface="+mn-ea"/>
+                <a:cs typeface="+mn-cs"/>
+              </a:defRPr>
+            </a:lvl4pPr>
+            <a:lvl5pPr marL="1143000" indent="-228600" algn="l" defTabSz="914400" rtl="0" eaLnBrk="1" latinLnBrk="0" hangingPunct="1">
+              <a:lnSpc>
+                <a:spcPct val="110000"/>
+              </a:lnSpc>
+              <a:spcBef>
+                <a:spcPts val="500"/>
+              </a:spcBef>
+              <a:buClr>
+                <a:schemeClr val="tx2">
+                  <a:lumMod val="50000"/>
+                  <a:lumOff val="50000"/>
+                </a:schemeClr>
+              </a:buClr>
+              <a:buSzPct val="75000"/>
+              <a:buFont typeface="Wingdings" panose="05000000000000000000" pitchFamily="2" charset="2"/>
+              <a:buChar char="§"/>
+              <a:defRPr sz="1400" kern="1200">
+                <a:solidFill>
+                  <a:schemeClr val="tx2"/>
+                </a:solidFill>
+                <a:latin typeface="+mn-lt"/>
+                <a:ea typeface="+mn-ea"/>
+                <a:cs typeface="+mn-cs"/>
+              </a:defRPr>
+            </a:lvl5pPr>
+            <a:lvl6pPr marL="2514600" indent="-228600" algn="l" defTabSz="914400" rtl="0" eaLnBrk="1" latinLnBrk="0" hangingPunct="1">
+              <a:lnSpc>
+                <a:spcPct val="90000"/>
+              </a:lnSpc>
+              <a:spcBef>
+                <a:spcPts val="500"/>
+              </a:spcBef>
+              <a:buFont typeface="Arial" panose="020B0604020202020204" pitchFamily="34" charset="0"/>
+              <a:buChar char="•"/>
+              <a:defRPr sz="1800" kern="1200">
+                <a:solidFill>
+                  <a:schemeClr val="tx1"/>
+                </a:solidFill>
+                <a:latin typeface="+mn-lt"/>
+                <a:ea typeface="+mn-ea"/>
+                <a:cs typeface="+mn-cs"/>
+              </a:defRPr>
+            </a:lvl6pPr>
+            <a:lvl7pPr marL="2971800" indent="-228600" algn="l" defTabSz="914400" rtl="0" eaLnBrk="1" latinLnBrk="0" hangingPunct="1">
+              <a:lnSpc>
+                <a:spcPct val="90000"/>
+              </a:lnSpc>
+              <a:spcBef>
+                <a:spcPts val="500"/>
+              </a:spcBef>
+              <a:buFont typeface="Arial" panose="020B0604020202020204" pitchFamily="34" charset="0"/>
+              <a:buChar char="•"/>
+              <a:defRPr sz="1800" kern="1200">
+                <a:solidFill>
+                  <a:schemeClr val="tx1"/>
+                </a:solidFill>
+                <a:latin typeface="+mn-lt"/>
+                <a:ea typeface="+mn-ea"/>
+                <a:cs typeface="+mn-cs"/>
+              </a:defRPr>
+            </a:lvl7pPr>
+            <a:lvl8pPr marL="3429000" indent="-228600" algn="l" defTabSz="914400" rtl="0" eaLnBrk="1" latinLnBrk="0" hangingPunct="1">
+              <a:lnSpc>
+                <a:spcPct val="90000"/>
+              </a:lnSpc>
+              <a:spcBef>
+                <a:spcPts val="500"/>
+              </a:spcBef>
+              <a:buFont typeface="Arial" panose="020B0604020202020204" pitchFamily="34" charset="0"/>
+              <a:buChar char="•"/>
+              <a:defRPr sz="1800" kern="1200">
+                <a:solidFill>
+                  <a:schemeClr val="tx1"/>
+                </a:solidFill>
+                <a:latin typeface="+mn-lt"/>
+                <a:ea typeface="+mn-ea"/>
+                <a:cs typeface="+mn-cs"/>
+              </a:defRPr>
+            </a:lvl8pPr>
+            <a:lvl9pPr marL="3886200" indent="-228600" algn="l" defTabSz="914400" rtl="0" eaLnBrk="1" latinLnBrk="0" hangingPunct="1">
+              <a:lnSpc>
+                <a:spcPct val="90000"/>
+              </a:lnSpc>
+              <a:spcBef>
+                <a:spcPts val="500"/>
+              </a:spcBef>
+              <a:buFont typeface="Arial" panose="020B0604020202020204" pitchFamily="34" charset="0"/>
+              <a:buChar char="•"/>
+              <a:defRPr sz="1800" kern="1200">
+                <a:solidFill>
+                  <a:schemeClr val="tx1"/>
+                </a:solidFill>
+                <a:latin typeface="+mn-lt"/>
+                <a:ea typeface="+mn-ea"/>
+                <a:cs typeface="+mn-cs"/>
+              </a:defRPr>
+            </a:lvl9pPr>
+          </a:lstStyle>
+          <a:p>
+            <a:r>
+              <a:rPr lang="tr-TR" dirty="0" err="1"/>
+              <a:t>Buck</a:t>
+            </a:r>
+            <a:r>
+              <a:rPr lang="tr-TR" dirty="0"/>
+              <a:t> Converter </a:t>
+            </a:r>
+            <a:r>
+              <a:rPr lang="tr-TR" dirty="0" err="1"/>
+              <a:t>diode</a:t>
+            </a:r>
+            <a:r>
+              <a:rPr lang="tr-TR" dirty="0"/>
+              <a:t>, </a:t>
+            </a:r>
+            <a:r>
+              <a:rPr lang="tr-TR" dirty="0" err="1"/>
+              <a:t>before</a:t>
+            </a:r>
+            <a:r>
+              <a:rPr lang="tr-TR" dirty="0"/>
+              <a:t> </a:t>
+            </a:r>
+            <a:r>
+              <a:rPr lang="tr-TR" dirty="0" err="1"/>
+              <a:t>the</a:t>
+            </a:r>
+            <a:r>
+              <a:rPr lang="tr-TR" dirty="0"/>
+              <a:t> </a:t>
+            </a:r>
+            <a:r>
+              <a:rPr lang="tr-TR" dirty="0" err="1"/>
+              <a:t>battery</a:t>
+            </a:r>
+            <a:r>
+              <a:rPr lang="tr-TR" dirty="0"/>
+              <a:t>, </a:t>
+            </a:r>
+            <a:r>
+              <a:rPr lang="tr-TR" dirty="0" err="1"/>
+              <a:t>peak</a:t>
+            </a:r>
+            <a:r>
+              <a:rPr lang="tr-TR" dirty="0"/>
+              <a:t> </a:t>
+            </a:r>
+            <a:r>
+              <a:rPr lang="tr-TR" dirty="0" err="1"/>
+              <a:t>current</a:t>
+            </a:r>
+            <a:r>
+              <a:rPr lang="tr-TR" dirty="0"/>
+              <a:t> 11A.</a:t>
+            </a:r>
+            <a:endParaRPr lang="en-GB" dirty="0"/>
+          </a:p>
+          <a:p>
+            <a:endParaRPr lang="en-GB" dirty="0"/>
+          </a:p>
+        </p:txBody>
+      </p:sp>
     </p:spTree>
     <p:extLst>
       <p:ext uri="{BB962C8B-B14F-4D97-AF65-F5344CB8AC3E}">
@@ -16487,7 +17670,7 @@
 </p:sld>
 </file>
 
-<file path=ppt/slides/slide12.xml><?xml version="1.0" encoding="utf-8"?>
+<file path=ppt/slides/slide16.xml><?xml version="1.0" encoding="utf-8"?>
 <p:sld xmlns:a="http://schemas.openxmlformats.org/drawingml/2006/main" xmlns:r="http://schemas.openxmlformats.org/officeDocument/2006/relationships" xmlns:p="http://schemas.openxmlformats.org/presentationml/2006/main">
   <p:cSld>
     <p:spTree>
@@ -16758,7 +17941,7 @@
 </p:sld>
 </file>
 
-<file path=ppt/slides/slide13.xml><?xml version="1.0" encoding="utf-8"?>
+<file path=ppt/slides/slide17.xml><?xml version="1.0" encoding="utf-8"?>
 <p:sld xmlns:a="http://schemas.openxmlformats.org/drawingml/2006/main" xmlns:r="http://schemas.openxmlformats.org/officeDocument/2006/relationships" xmlns:p="http://schemas.openxmlformats.org/presentationml/2006/main">
   <p:cSld>
     <p:spTree>
@@ -17014,7 +18197,7 @@
 </p:sld>
 </file>
 
-<file path=ppt/slides/slide14.xml><?xml version="1.0" encoding="utf-8"?>
+<file path=ppt/slides/slide18.xml><?xml version="1.0" encoding="utf-8"?>
 <p:sld xmlns:a="http://schemas.openxmlformats.org/drawingml/2006/main" xmlns:r="http://schemas.openxmlformats.org/officeDocument/2006/relationships" xmlns:p="http://schemas.openxmlformats.org/presentationml/2006/main">
   <p:cSld>
     <p:spTree>
@@ -22527,7 +23710,7 @@
         <p:spPr>
           <a:xfrm>
             <a:off x="7523987" y="3429000"/>
-            <a:ext cx="2771179" cy="1477328"/>
+            <a:ext cx="2771179" cy="923330"/>
           </a:xfrm>
           <a:prstGeom prst="rect">
             <a:avLst/>
@@ -22550,7 +23733,7 @@
             </a:r>
             <a:r>
               <a:rPr lang="tr-TR" dirty="0" err="1"/>
-              <a:t>voltage</a:t>
+              <a:t>peak</a:t>
             </a:r>
             <a:r>
               <a:rPr lang="tr-TR" dirty="0"/>
@@ -22558,38 +23741,6 @@
             </a:r>
             <a:r>
               <a:rPr lang="tr-TR" dirty="0" err="1"/>
-              <a:t>and</a:t>
-            </a:r>
-            <a:r>
-              <a:rPr lang="tr-TR" dirty="0"/>
-              <a:t> </a:t>
-            </a:r>
-            <a:r>
-              <a:rPr lang="tr-TR" dirty="0" err="1"/>
-              <a:t>current</a:t>
-            </a:r>
-            <a:r>
-              <a:rPr lang="tr-TR" dirty="0"/>
-              <a:t> </a:t>
-            </a:r>
-            <a:r>
-              <a:rPr lang="tr-TR" dirty="0" err="1"/>
-              <a:t>waveforms</a:t>
-            </a:r>
-            <a:r>
-              <a:rPr lang="tr-TR" dirty="0"/>
-              <a:t>. </a:t>
-            </a:r>
-            <a:r>
-              <a:rPr lang="tr-TR" dirty="0" err="1"/>
-              <a:t>Peak</a:t>
-            </a:r>
-            <a:r>
-              <a:rPr lang="tr-TR" dirty="0"/>
-              <a:t> </a:t>
-            </a:r>
-            <a:r>
-              <a:rPr lang="tr-TR" dirty="0" err="1"/>
               <a:t>current</a:t>
             </a:r>
             <a:r>
@@ -22598,7 +23749,7 @@
             </a:r>
             <a:r>
               <a:rPr lang="tr-TR" dirty="0" err="1"/>
-              <a:t>Peak</a:t>
+              <a:t>peak</a:t>
             </a:r>
             <a:r>
               <a:rPr lang="tr-TR" dirty="0"/>
@@ -22700,6 +23851,174 @@
 </file>
 
 <file path=ppt/slides/slide8.xml><?xml version="1.0" encoding="utf-8"?>
+<p:sld xmlns:a="http://schemas.openxmlformats.org/drawingml/2006/main" xmlns:r="http://schemas.openxmlformats.org/officeDocument/2006/relationships" xmlns:p="http://schemas.openxmlformats.org/presentationml/2006/main">
+  <p:cSld>
+    <p:spTree>
+      <p:nvGrpSpPr>
+        <p:cNvPr id="1" name=""/>
+        <p:cNvGrpSpPr/>
+        <p:nvPr/>
+      </p:nvGrpSpPr>
+      <p:grpSpPr>
+        <a:xfrm>
+          <a:off x="0" y="0"/>
+          <a:ext cx="0" cy="0"/>
+          <a:chOff x="0" y="0"/>
+          <a:chExt cx="0" cy="0"/>
+        </a:xfrm>
+      </p:grpSpPr>
+      <p:pic>
+        <p:nvPicPr>
+          <p:cNvPr id="5" name="Content Placeholder 4" descr="A blue graph with white background&#10;&#10;Description automatically generated">
+            <a:extLst>
+              <a:ext uri="{FF2B5EF4-FFF2-40B4-BE49-F238E27FC236}">
+                <a16:creationId xmlns:a16="http://schemas.microsoft.com/office/drawing/2014/main" id="{ECA2215A-172F-5096-2F33-3B394345B710}"/>
+              </a:ext>
+            </a:extLst>
+          </p:cNvPr>
+          <p:cNvPicPr>
+            <a:picLocks noGrp="1" noChangeAspect="1"/>
+          </p:cNvPicPr>
+          <p:nvPr>
+            <p:ph idx="1"/>
+          </p:nvPr>
+        </p:nvPicPr>
+        <p:blipFill>
+          <a:blip r:embed="rId2">
+            <a:extLst>
+              <a:ext uri="{28A0092B-C50C-407E-A947-70E740481C1C}">
+                <a14:useLocalDpi xmlns:a14="http://schemas.microsoft.com/office/drawing/2010/main" val="0"/>
+              </a:ext>
+            </a:extLst>
+          </a:blip>
+          <a:stretch>
+            <a:fillRect/>
+          </a:stretch>
+        </p:blipFill>
+        <p:spPr>
+          <a:xfrm>
+            <a:off x="486789" y="1415450"/>
+            <a:ext cx="8928303" cy="5192552"/>
+          </a:xfrm>
+        </p:spPr>
+      </p:pic>
+      <p:sp>
+        <p:nvSpPr>
+          <p:cNvPr id="6" name="Title 1">
+            <a:extLst>
+              <a:ext uri="{FF2B5EF4-FFF2-40B4-BE49-F238E27FC236}">
+                <a16:creationId xmlns:a16="http://schemas.microsoft.com/office/drawing/2014/main" id="{3CD4CD87-A25B-1633-317E-35E968E3D536}"/>
+              </a:ext>
+            </a:extLst>
+          </p:cNvPr>
+          <p:cNvSpPr txBox="1">
+            <a:spLocks/>
+          </p:cNvSpPr>
+          <p:nvPr/>
+        </p:nvSpPr>
+        <p:spPr>
+          <a:xfrm>
+            <a:off x="1108581" y="249998"/>
+            <a:ext cx="6526659" cy="1034766"/>
+          </a:xfrm>
+          <a:prstGeom prst="rect">
+            <a:avLst/>
+          </a:prstGeom>
+        </p:spPr>
+        <p:txBody>
+          <a:bodyPr vert="horz" lIns="91440" tIns="45720" rIns="91440" bIns="45720" rtlCol="0" anchor="b">
+            <a:normAutofit/>
+          </a:bodyPr>
+          <a:lstStyle>
+            <a:lvl1pPr algn="l" defTabSz="914400" rtl="0" eaLnBrk="1" latinLnBrk="0" hangingPunct="1">
+              <a:lnSpc>
+                <a:spcPct val="100000"/>
+              </a:lnSpc>
+              <a:spcBef>
+                <a:spcPct val="0"/>
+              </a:spcBef>
+              <a:buNone/>
+              <a:defRPr sz="4400" kern="1200">
+                <a:solidFill>
+                  <a:schemeClr val="tx2"/>
+                </a:solidFill>
+                <a:latin typeface="+mj-lt"/>
+                <a:ea typeface="+mj-ea"/>
+                <a:cs typeface="+mj-cs"/>
+              </a:defRPr>
+            </a:lvl1pPr>
+          </a:lstStyle>
+          <a:p>
+            <a:r>
+              <a:rPr lang="tr-TR" dirty="0" err="1"/>
+              <a:t>Diode</a:t>
+            </a:r>
+            <a:r>
+              <a:rPr lang="tr-TR" dirty="0"/>
+              <a:t> </a:t>
+            </a:r>
+            <a:r>
+              <a:rPr lang="tr-TR" dirty="0" err="1"/>
+              <a:t>Waveform</a:t>
+            </a:r>
+            <a:endParaRPr lang="en-GB" dirty="0"/>
+          </a:p>
+        </p:txBody>
+      </p:sp>
+      <p:sp>
+        <p:nvSpPr>
+          <p:cNvPr id="7" name="TextBox 6">
+            <a:extLst>
+              <a:ext uri="{FF2B5EF4-FFF2-40B4-BE49-F238E27FC236}">
+                <a16:creationId xmlns:a16="http://schemas.microsoft.com/office/drawing/2014/main" id="{B7A5F87F-3CD0-CBB1-64CA-A055FE03BD53}"/>
+              </a:ext>
+            </a:extLst>
+          </p:cNvPr>
+          <p:cNvSpPr txBox="1"/>
+          <p:nvPr/>
+        </p:nvSpPr>
+        <p:spPr>
+          <a:xfrm>
+            <a:off x="10104120" y="1846373"/>
+            <a:ext cx="1792224" cy="400110"/>
+          </a:xfrm>
+          <a:prstGeom prst="rect">
+            <a:avLst/>
+          </a:prstGeom>
+          <a:noFill/>
+        </p:spPr>
+        <p:txBody>
+          <a:bodyPr wrap="square" rtlCol="0">
+            <a:spAutoFit/>
+          </a:bodyPr>
+          <a:lstStyle/>
+          <a:p>
+            <a:r>
+              <a:rPr lang="tr-TR" sz="2000" dirty="0" err="1"/>
+              <a:t>Peak</a:t>
+            </a:r>
+            <a:r>
+              <a:rPr lang="tr-TR" sz="2000" dirty="0"/>
+              <a:t> = 11A</a:t>
+            </a:r>
+            <a:endParaRPr lang="en-US" sz="2000" dirty="0"/>
+          </a:p>
+        </p:txBody>
+      </p:sp>
+    </p:spTree>
+    <p:extLst>
+      <p:ext uri="{BB962C8B-B14F-4D97-AF65-F5344CB8AC3E}">
+        <p14:creationId xmlns:p14="http://schemas.microsoft.com/office/powerpoint/2010/main" val="1635196262"/>
+      </p:ext>
+    </p:extLst>
+  </p:cSld>
+  <p:clrMapOvr>
+    <a:masterClrMapping/>
+  </p:clrMapOvr>
+</p:sld>
+</file>
+
+<file path=ppt/slides/slide9.xml><?xml version="1.0" encoding="utf-8"?>
 <p:sld xmlns:a="http://schemas.openxmlformats.org/drawingml/2006/main" xmlns:r="http://schemas.openxmlformats.org/officeDocument/2006/relationships" xmlns:p="http://schemas.openxmlformats.org/presentationml/2006/main">
   <p:cSld>
     <p:spTree>
@@ -22735,12 +24054,79 @@
         <p:spPr>
           <a:xfrm>
             <a:off x="8798559" y="2245360"/>
-            <a:ext cx="2217519" cy="3659207"/>
+            <a:ext cx="2924049" cy="3659207"/>
           </a:xfrm>
         </p:spPr>
         <p:txBody>
           <a:bodyPr/>
           <a:lstStyle/>
+          <a:p>
+            <a:r>
+              <a:rPr lang="tr-TR" dirty="0" err="1"/>
+              <a:t>Buck</a:t>
+            </a:r>
+            <a:r>
+              <a:rPr lang="tr-TR" dirty="0"/>
+              <a:t> Converter </a:t>
+            </a:r>
+            <a:r>
+              <a:rPr lang="tr-TR" dirty="0" err="1"/>
+              <a:t>diode</a:t>
+            </a:r>
+            <a:r>
+              <a:rPr lang="tr-TR" dirty="0"/>
+              <a:t> </a:t>
+            </a:r>
+            <a:r>
+              <a:rPr lang="tr-TR" dirty="0" err="1"/>
+              <a:t>peak</a:t>
+            </a:r>
+            <a:r>
+              <a:rPr lang="tr-TR" dirty="0"/>
+              <a:t> </a:t>
+            </a:r>
+            <a:r>
+              <a:rPr lang="tr-TR" dirty="0" err="1"/>
+              <a:t>current</a:t>
+            </a:r>
+            <a:r>
+              <a:rPr lang="tr-TR" dirty="0"/>
+              <a:t> 11A, </a:t>
+            </a:r>
+            <a:r>
+              <a:rPr lang="tr-TR" dirty="0" err="1"/>
+              <a:t>peak</a:t>
+            </a:r>
+            <a:r>
+              <a:rPr lang="tr-TR" dirty="0"/>
+              <a:t> </a:t>
+            </a:r>
+            <a:r>
+              <a:rPr lang="tr-TR" dirty="0" err="1"/>
+              <a:t>voltage</a:t>
+            </a:r>
+            <a:r>
+              <a:rPr lang="tr-TR" dirty="0"/>
+              <a:t> </a:t>
+            </a:r>
+            <a:r>
+              <a:rPr lang="tr-TR" dirty="0" err="1"/>
+              <a:t>less</a:t>
+            </a:r>
+            <a:r>
+              <a:rPr lang="tr-TR" dirty="0"/>
+              <a:t> </a:t>
+            </a:r>
+            <a:r>
+              <a:rPr lang="tr-TR" dirty="0" err="1"/>
+              <a:t>than</a:t>
+            </a:r>
+            <a:r>
+              <a:rPr lang="tr-TR" dirty="0"/>
+              <a:t> 63.6V. </a:t>
+            </a:r>
+            <a:endParaRPr lang="en-GB" dirty="0"/>
+          </a:p>
           <a:p>
             <a:endParaRPr lang="en-GB" dirty="0"/>
           </a:p>
@@ -22764,8 +24150,8 @@
         </p:nvSpPr>
         <p:spPr>
           <a:xfrm>
-            <a:off x="470644" y="-212061"/>
-            <a:ext cx="10325100" cy="1443037"/>
+            <a:off x="470644" y="310896"/>
+            <a:ext cx="7740668" cy="920080"/>
           </a:xfrm>
         </p:spPr>
         <p:txBody>
@@ -22925,353 +24311,6 @@
     <p:extLst>
       <p:ext uri="{BB962C8B-B14F-4D97-AF65-F5344CB8AC3E}">
         <p14:creationId xmlns:p14="http://schemas.microsoft.com/office/powerpoint/2010/main" val="2071187311"/>
-      </p:ext>
-    </p:extLst>
-  </p:cSld>
-  <p:clrMapOvr>
-    <a:masterClrMapping/>
-  </p:clrMapOvr>
-</p:sld>
-</file>
-
-<file path=ppt/slides/slide9.xml><?xml version="1.0" encoding="utf-8"?>
-<p:sld xmlns:a="http://schemas.openxmlformats.org/drawingml/2006/main" xmlns:r="http://schemas.openxmlformats.org/officeDocument/2006/relationships" xmlns:p="http://schemas.openxmlformats.org/presentationml/2006/main">
-  <p:cSld>
-    <p:spTree>
-      <p:nvGrpSpPr>
-        <p:cNvPr id="1" name=""/>
-        <p:cNvGrpSpPr/>
-        <p:nvPr/>
-      </p:nvGrpSpPr>
-      <p:grpSpPr>
-        <a:xfrm>
-          <a:off x="0" y="0"/>
-          <a:ext cx="0" cy="0"/>
-          <a:chOff x="0" y="0"/>
-          <a:chExt cx="0" cy="0"/>
-        </a:xfrm>
-      </p:grpSpPr>
-      <p:sp>
-        <p:nvSpPr>
-          <p:cNvPr id="3" name="Content Placeholder 2">
-            <a:extLst>
-              <a:ext uri="{FF2B5EF4-FFF2-40B4-BE49-F238E27FC236}">
-                <a16:creationId xmlns:a16="http://schemas.microsoft.com/office/drawing/2014/main" id="{D17B3958-7B41-981F-3345-9E9B8C679ABA}"/>
-              </a:ext>
-            </a:extLst>
-          </p:cNvPr>
-          <p:cNvSpPr>
-            <a:spLocks noGrp="1"/>
-          </p:cNvSpPr>
-          <p:nvPr>
-            <p:ph idx="1"/>
-          </p:nvPr>
-        </p:nvSpPr>
-        <p:spPr/>
-        <p:txBody>
-          <a:bodyPr/>
-          <a:lstStyle/>
-          <a:p>
-            <a:endParaRPr lang="en-GB" dirty="0"/>
-          </a:p>
-        </p:txBody>
-      </p:sp>
-      <p:sp>
-        <p:nvSpPr>
-          <p:cNvPr id="4" name="Title 1">
-            <a:extLst>
-              <a:ext uri="{FF2B5EF4-FFF2-40B4-BE49-F238E27FC236}">
-                <a16:creationId xmlns:a16="http://schemas.microsoft.com/office/drawing/2014/main" id="{5B7D8961-85A1-5709-790F-B19C0475E0E8}"/>
-              </a:ext>
-            </a:extLst>
-          </p:cNvPr>
-          <p:cNvSpPr>
-            <a:spLocks noGrp="1"/>
-          </p:cNvSpPr>
-          <p:nvPr>
-            <p:ph type="title"/>
-          </p:nvPr>
-        </p:nvSpPr>
-        <p:spPr>
-          <a:xfrm>
-            <a:off x="691079" y="-131039"/>
-            <a:ext cx="10325100" cy="1443037"/>
-          </a:xfrm>
-        </p:spPr>
-        <p:txBody>
-          <a:bodyPr/>
-          <a:lstStyle/>
-          <a:p>
-            <a:r>
-              <a:rPr lang="tr-TR" dirty="0"/>
-              <a:t>Component </a:t>
-            </a:r>
-            <a:r>
-              <a:rPr lang="tr-TR" dirty="0" err="1"/>
-              <a:t>Selection</a:t>
-            </a:r>
-            <a:endParaRPr lang="en-GB" dirty="0"/>
-          </a:p>
-        </p:txBody>
-      </p:sp>
-      <p:pic>
-        <p:nvPicPr>
-          <p:cNvPr id="6" name="Picture 5">
-            <a:extLst>
-              <a:ext uri="{FF2B5EF4-FFF2-40B4-BE49-F238E27FC236}">
-                <a16:creationId xmlns:a16="http://schemas.microsoft.com/office/drawing/2014/main" id="{98ACD440-8461-9D4B-09B8-4019E26C3345}"/>
-              </a:ext>
-            </a:extLst>
-          </p:cNvPr>
-          <p:cNvPicPr>
-            <a:picLocks noChangeAspect="1"/>
-          </p:cNvPicPr>
-          <p:nvPr/>
-        </p:nvPicPr>
-        <p:blipFill>
-          <a:blip r:embed="rId2"/>
-          <a:stretch>
-            <a:fillRect/>
-          </a:stretch>
-        </p:blipFill>
-        <p:spPr>
-          <a:xfrm>
-            <a:off x="768244" y="1402948"/>
-            <a:ext cx="7091905" cy="5047392"/>
-          </a:xfrm>
-          <a:prstGeom prst="rect">
-            <a:avLst/>
-          </a:prstGeom>
-        </p:spPr>
-      </p:pic>
-      <p:sp>
-        <p:nvSpPr>
-          <p:cNvPr id="7" name="Rectangle 6">
-            <a:extLst>
-              <a:ext uri="{FF2B5EF4-FFF2-40B4-BE49-F238E27FC236}">
-                <a16:creationId xmlns:a16="http://schemas.microsoft.com/office/drawing/2014/main" id="{23976750-3953-E527-ED3D-88868DB8A036}"/>
-              </a:ext>
-            </a:extLst>
-          </p:cNvPr>
-          <p:cNvSpPr/>
-          <p:nvPr/>
-        </p:nvSpPr>
-        <p:spPr>
-          <a:xfrm>
-            <a:off x="4314196" y="5438284"/>
-            <a:ext cx="3336670" cy="466283"/>
-          </a:xfrm>
-          <a:prstGeom prst="rect">
-            <a:avLst/>
-          </a:prstGeom>
-          <a:solidFill>
-            <a:schemeClr val="bg1"/>
-          </a:solidFill>
-          <a:ln>
-            <a:solidFill>
-              <a:schemeClr val="bg1"/>
-            </a:solidFill>
-          </a:ln>
-        </p:spPr>
-        <p:style>
-          <a:lnRef idx="2">
-            <a:schemeClr val="accent1">
-              <a:shade val="15000"/>
-            </a:schemeClr>
-          </a:lnRef>
-          <a:fillRef idx="1">
-            <a:schemeClr val="accent1"/>
-          </a:fillRef>
-          <a:effectRef idx="0">
-            <a:schemeClr val="accent1"/>
-          </a:effectRef>
-          <a:fontRef idx="minor">
-            <a:schemeClr val="lt1"/>
-          </a:fontRef>
-        </p:style>
-        <p:txBody>
-          <a:bodyPr rtlCol="0" anchor="ctr"/>
-          <a:lstStyle/>
-          <a:p>
-            <a:pPr algn="ctr"/>
-            <a:endParaRPr lang="en-GB" dirty="0"/>
-          </a:p>
-        </p:txBody>
-      </p:sp>
-      <p:sp>
-        <p:nvSpPr>
-          <p:cNvPr id="8" name="Rectangle 7">
-            <a:extLst>
-              <a:ext uri="{FF2B5EF4-FFF2-40B4-BE49-F238E27FC236}">
-                <a16:creationId xmlns:a16="http://schemas.microsoft.com/office/drawing/2014/main" id="{5BB6AB19-0B3C-006F-F174-D34C8FF8529A}"/>
-              </a:ext>
-            </a:extLst>
-          </p:cNvPr>
-          <p:cNvSpPr/>
-          <p:nvPr/>
-        </p:nvSpPr>
-        <p:spPr>
-          <a:xfrm>
-            <a:off x="4314196" y="2911034"/>
-            <a:ext cx="3336670" cy="648183"/>
-          </a:xfrm>
-          <a:prstGeom prst="rect">
-            <a:avLst/>
-          </a:prstGeom>
-          <a:solidFill>
-            <a:schemeClr val="bg1"/>
-          </a:solidFill>
-          <a:ln>
-            <a:solidFill>
-              <a:schemeClr val="bg1"/>
-            </a:solidFill>
-          </a:ln>
-        </p:spPr>
-        <p:style>
-          <a:lnRef idx="2">
-            <a:schemeClr val="accent1">
-              <a:shade val="15000"/>
-            </a:schemeClr>
-          </a:lnRef>
-          <a:fillRef idx="1">
-            <a:schemeClr val="accent1"/>
-          </a:fillRef>
-          <a:effectRef idx="0">
-            <a:schemeClr val="accent1"/>
-          </a:effectRef>
-          <a:fontRef idx="minor">
-            <a:schemeClr val="lt1"/>
-          </a:fontRef>
-        </p:style>
-        <p:txBody>
-          <a:bodyPr rtlCol="0" anchor="ctr"/>
-          <a:lstStyle/>
-          <a:p>
-            <a:pPr algn="ctr"/>
-            <a:endParaRPr lang="en-GB"/>
-          </a:p>
-        </p:txBody>
-      </p:sp>
-      <p:sp>
-        <p:nvSpPr>
-          <p:cNvPr id="10" name="TextBox 9">
-            <a:extLst>
-              <a:ext uri="{FF2B5EF4-FFF2-40B4-BE49-F238E27FC236}">
-                <a16:creationId xmlns:a16="http://schemas.microsoft.com/office/drawing/2014/main" id="{C8759ECE-4DB8-C698-E525-A8D04236190B}"/>
-              </a:ext>
-            </a:extLst>
-          </p:cNvPr>
-          <p:cNvSpPr txBox="1"/>
-          <p:nvPr/>
-        </p:nvSpPr>
-        <p:spPr>
-          <a:xfrm>
-            <a:off x="4314196" y="2773856"/>
-            <a:ext cx="3336670" cy="861774"/>
-          </a:xfrm>
-          <a:prstGeom prst="rect">
-            <a:avLst/>
-          </a:prstGeom>
-          <a:noFill/>
-        </p:spPr>
-        <p:txBody>
-          <a:bodyPr wrap="square">
-            <a:spAutoFit/>
-          </a:bodyPr>
-          <a:lstStyle/>
-          <a:p>
-            <a:r>
-              <a:rPr lang="en-GB" sz="1000" b="0" i="0" dirty="0">
-                <a:solidFill>
-                  <a:srgbClr val="000000"/>
-                </a:solidFill>
-                <a:effectLst/>
-                <a:latin typeface="Times New Roman" panose="02020603050405020304" pitchFamily="18" charset="0"/>
-                <a:hlinkClick r:id="rId3"/>
-              </a:rPr>
-              <a:t>https://www.coilcraft.com/en-us/products/power/shielded-inductors/high-current-flat-wire/agp-ver/agp4233/#:~:text=AGP4233%20power%20inductors%2C%20along%20with,low%20DC%20and%20AC%20resistance</a:t>
-            </a:r>
-            <a:r>
-              <a:rPr lang="en-GB" sz="1000" b="0" i="0" dirty="0">
-                <a:solidFill>
-                  <a:srgbClr val="000000"/>
-                </a:solidFill>
-                <a:effectLst/>
-                <a:latin typeface="Times New Roman" panose="02020603050405020304" pitchFamily="18" charset="0"/>
-              </a:rPr>
-              <a:t>.</a:t>
-            </a:r>
-            <a:r>
-              <a:rPr lang="tr-TR" sz="1000" b="0" i="0" dirty="0">
-                <a:solidFill>
-                  <a:srgbClr val="000000"/>
-                </a:solidFill>
-                <a:effectLst/>
-                <a:latin typeface="Times New Roman" panose="02020603050405020304" pitchFamily="18" charset="0"/>
-              </a:rPr>
-              <a:t> </a:t>
-            </a:r>
-            <a:endParaRPr lang="en-GB" sz="1000" dirty="0"/>
-          </a:p>
-        </p:txBody>
-      </p:sp>
-      <p:sp>
-        <p:nvSpPr>
-          <p:cNvPr id="12" name="TextBox 11">
-            <a:extLst>
-              <a:ext uri="{FF2B5EF4-FFF2-40B4-BE49-F238E27FC236}">
-                <a16:creationId xmlns:a16="http://schemas.microsoft.com/office/drawing/2014/main" id="{C9E60D81-96FA-6E6A-FE97-BB8FC3AE4261}"/>
-              </a:ext>
-            </a:extLst>
-          </p:cNvPr>
-          <p:cNvSpPr txBox="1"/>
-          <p:nvPr/>
-        </p:nvSpPr>
-        <p:spPr>
-          <a:xfrm>
-            <a:off x="4314196" y="5296442"/>
-            <a:ext cx="3336670" cy="646331"/>
-          </a:xfrm>
-          <a:prstGeom prst="rect">
-            <a:avLst/>
-          </a:prstGeom>
-          <a:noFill/>
-        </p:spPr>
-        <p:txBody>
-          <a:bodyPr wrap="square">
-            <a:spAutoFit/>
-          </a:bodyPr>
-          <a:lstStyle/>
-          <a:p>
-            <a:r>
-              <a:rPr lang="en-GB" b="0" i="0" dirty="0">
-                <a:solidFill>
-                  <a:srgbClr val="000000"/>
-                </a:solidFill>
-                <a:effectLst/>
-                <a:latin typeface="Times New Roman" panose="02020603050405020304" pitchFamily="18" charset="0"/>
-                <a:hlinkClick r:id="rId4"/>
-              </a:rPr>
-              <a:t>https://www.direnc.net/10uf25v-tantal</a:t>
-            </a:r>
-            <a:r>
-              <a:rPr lang="tr-TR" b="0" i="0" dirty="0">
-                <a:solidFill>
-                  <a:srgbClr val="000000"/>
-                </a:solidFill>
-                <a:effectLst/>
-                <a:latin typeface="Times New Roman" panose="02020603050405020304" pitchFamily="18" charset="0"/>
-              </a:rPr>
-              <a:t> </a:t>
-            </a:r>
-            <a:endParaRPr lang="en-GB" dirty="0"/>
-          </a:p>
-        </p:txBody>
-      </p:sp>
-    </p:spTree>
-    <p:extLst>
-      <p:ext uri="{BB962C8B-B14F-4D97-AF65-F5344CB8AC3E}">
-        <p14:creationId xmlns:p14="http://schemas.microsoft.com/office/powerpoint/2010/main" val="540657593"/>
       </p:ext>
     </p:extLst>
   </p:cSld>
